--- a/Documentation & Database/masterpiece_persentaion.pptx
+++ b/Documentation & Database/masterpiece_persentaion.pptx
@@ -839,7 +839,7 @@
           <a:p>
             <a:fld id="{E0553C2C-63BF-4D5B-AA33-06660CE5E221}" type="datetimeFigureOut">
               <a:rPr lang="en-US" smtClean="0"/>
-              <a:t>8/18/2022</a:t>
+              <a:t>9/26/2022</a:t>
             </a:fld>
             <a:endParaRPr lang="en-US"/>
           </a:p>
@@ -1090,7 +1090,7 @@
           <a:p>
             <a:fld id="{E0553C2C-63BF-4D5B-AA33-06660CE5E221}" type="datetimeFigureOut">
               <a:rPr lang="en-US" smtClean="0"/>
-              <a:t>8/18/2022</a:t>
+              <a:t>9/26/2022</a:t>
             </a:fld>
             <a:endParaRPr lang="en-US"/>
           </a:p>
@@ -1404,7 +1404,7 @@
           <a:p>
             <a:fld id="{E0553C2C-63BF-4D5B-AA33-06660CE5E221}" type="datetimeFigureOut">
               <a:rPr lang="en-US" smtClean="0"/>
-              <a:t>8/18/2022</a:t>
+              <a:t>9/26/2022</a:t>
             </a:fld>
             <a:endParaRPr lang="en-US"/>
           </a:p>
@@ -1745,7 +1745,7 @@
           <a:p>
             <a:fld id="{E0553C2C-63BF-4D5B-AA33-06660CE5E221}" type="datetimeFigureOut">
               <a:rPr lang="en-US" smtClean="0"/>
-              <a:t>8/18/2022</a:t>
+              <a:t>9/26/2022</a:t>
             </a:fld>
             <a:endParaRPr lang="en-US"/>
           </a:p>
@@ -2059,7 +2059,7 @@
           <a:p>
             <a:fld id="{E0553C2C-63BF-4D5B-AA33-06660CE5E221}" type="datetimeFigureOut">
               <a:rPr lang="en-US" smtClean="0"/>
-              <a:t>8/18/2022</a:t>
+              <a:t>9/26/2022</a:t>
             </a:fld>
             <a:endParaRPr lang="en-US"/>
           </a:p>
@@ -2452,7 +2452,7 @@
           <a:p>
             <a:fld id="{E0553C2C-63BF-4D5B-AA33-06660CE5E221}" type="datetimeFigureOut">
               <a:rPr lang="en-US" smtClean="0"/>
-              <a:t>8/18/2022</a:t>
+              <a:t>9/26/2022</a:t>
             </a:fld>
             <a:endParaRPr lang="en-US"/>
           </a:p>
@@ -2622,7 +2622,7 @@
           <a:p>
             <a:fld id="{E0553C2C-63BF-4D5B-AA33-06660CE5E221}" type="datetimeFigureOut">
               <a:rPr lang="en-US" smtClean="0"/>
-              <a:t>8/18/2022</a:t>
+              <a:t>9/26/2022</a:t>
             </a:fld>
             <a:endParaRPr lang="en-US"/>
           </a:p>
@@ -2802,7 +2802,7 @@
           <a:p>
             <a:fld id="{E0553C2C-63BF-4D5B-AA33-06660CE5E221}" type="datetimeFigureOut">
               <a:rPr lang="en-US" smtClean="0"/>
-              <a:t>8/18/2022</a:t>
+              <a:t>9/26/2022</a:t>
             </a:fld>
             <a:endParaRPr lang="en-US"/>
           </a:p>
@@ -2978,7 +2978,7 @@
           <a:p>
             <a:fld id="{E0553C2C-63BF-4D5B-AA33-06660CE5E221}" type="datetimeFigureOut">
               <a:rPr lang="en-US" smtClean="0"/>
-              <a:t>8/18/2022</a:t>
+              <a:t>9/26/2022</a:t>
             </a:fld>
             <a:endParaRPr lang="en-US"/>
           </a:p>
@@ -3225,7 +3225,7 @@
           <a:p>
             <a:fld id="{E0553C2C-63BF-4D5B-AA33-06660CE5E221}" type="datetimeFigureOut">
               <a:rPr lang="en-US" smtClean="0"/>
-              <a:t>8/18/2022</a:t>
+              <a:t>9/26/2022</a:t>
             </a:fld>
             <a:endParaRPr lang="en-US"/>
           </a:p>
@@ -3457,7 +3457,7 @@
           <a:p>
             <a:fld id="{E0553C2C-63BF-4D5B-AA33-06660CE5E221}" type="datetimeFigureOut">
               <a:rPr lang="en-US" smtClean="0"/>
-              <a:t>8/18/2022</a:t>
+              <a:t>9/26/2022</a:t>
             </a:fld>
             <a:endParaRPr lang="en-US"/>
           </a:p>
@@ -3831,7 +3831,7 @@
           <a:p>
             <a:fld id="{E0553C2C-63BF-4D5B-AA33-06660CE5E221}" type="datetimeFigureOut">
               <a:rPr lang="en-US" smtClean="0"/>
-              <a:t>8/18/2022</a:t>
+              <a:t>9/26/2022</a:t>
             </a:fld>
             <a:endParaRPr lang="en-US"/>
           </a:p>
@@ -3954,7 +3954,7 @@
           <a:p>
             <a:fld id="{E0553C2C-63BF-4D5B-AA33-06660CE5E221}" type="datetimeFigureOut">
               <a:rPr lang="en-US" smtClean="0"/>
-              <a:t>8/18/2022</a:t>
+              <a:t>9/26/2022</a:t>
             </a:fld>
             <a:endParaRPr lang="en-US"/>
           </a:p>
@@ -4049,7 +4049,7 @@
           <a:p>
             <a:fld id="{E0553C2C-63BF-4D5B-AA33-06660CE5E221}" type="datetimeFigureOut">
               <a:rPr lang="en-US" smtClean="0"/>
-              <a:t>8/18/2022</a:t>
+              <a:t>9/26/2022</a:t>
             </a:fld>
             <a:endParaRPr lang="en-US"/>
           </a:p>
@@ -4304,7 +4304,7 @@
           <a:p>
             <a:fld id="{E0553C2C-63BF-4D5B-AA33-06660CE5E221}" type="datetimeFigureOut">
               <a:rPr lang="en-US" smtClean="0"/>
-              <a:t>8/18/2022</a:t>
+              <a:t>9/26/2022</a:t>
             </a:fld>
             <a:endParaRPr lang="en-US"/>
           </a:p>
@@ -4567,7 +4567,7 @@
           <a:p>
             <a:fld id="{E0553C2C-63BF-4D5B-AA33-06660CE5E221}" type="datetimeFigureOut">
               <a:rPr lang="en-US" smtClean="0"/>
-              <a:t>8/18/2022</a:t>
+              <a:t>9/26/2022</a:t>
             </a:fld>
             <a:endParaRPr lang="en-US"/>
           </a:p>
@@ -5310,7 +5310,7 @@
           <a:p>
             <a:fld id="{E0553C2C-63BF-4D5B-AA33-06660CE5E221}" type="datetimeFigureOut">
               <a:rPr lang="en-US" smtClean="0"/>
-              <a:t>8/18/2022</a:t>
+              <a:t>9/26/2022</a:t>
             </a:fld>
             <a:endParaRPr lang="en-US"/>
           </a:p>
@@ -6325,7 +6325,7 @@
                   <a:srgbClr val="171616"/>
                 </a:solidFill>
               </a:rPr>
-              <a:t>local vegetable shops</a:t>
+              <a:t>Local vegetable shops</a:t>
             </a:r>
           </a:p>
           <a:p>
@@ -6338,7 +6338,7 @@
                   <a:srgbClr val="171616"/>
                 </a:solidFill>
               </a:rPr>
-              <a:t>local vegetable shops and farmers</a:t>
+              <a:t>Farmers</a:t>
             </a:r>
           </a:p>
           <a:p>
@@ -6438,7 +6438,9 @@
         </p:nvSpPr>
         <p:spPr/>
         <p:txBody>
-          <a:bodyPr/>
+          <a:bodyPr>
+            <a:normAutofit/>
+          </a:bodyPr>
           <a:lstStyle/>
           <a:p>
             <a:r>
@@ -6465,6 +6467,31 @@
             <a:r>
               <a:rPr lang="en-US" dirty="0"/>
               <a:t>Email </a:t>
+            </a:r>
+          </a:p>
+          <a:p>
+            <a:endParaRPr lang="en-US" dirty="0"/>
+          </a:p>
+          <a:p>
+            <a:r>
+              <a:rPr lang="en-US" dirty="0"/>
+              <a:t>Brochures</a:t>
+            </a:r>
+          </a:p>
+          <a:p>
+            <a:endParaRPr lang="en-US" dirty="0"/>
+          </a:p>
+          <a:p>
+            <a:pPr algn="l"/>
+            <a:r>
+              <a:rPr lang="en-US" b="0" i="0" dirty="0">
+                <a:solidFill>
+                  <a:srgbClr val="202124"/>
+                </a:solidFill>
+                <a:effectLst/>
+                <a:latin typeface="arial" panose="020B0604020202020204" pitchFamily="34" charset="0"/>
+              </a:rPr>
+              <a:t>Social Media</a:t>
             </a:r>
           </a:p>
         </p:txBody>
